--- a/檔案系統/HW1_Disk IO Performance under Sequential-Random and System Call-Library Call-MMAP.pptx
+++ b/檔案系統/HW1_Disk IO Performance under Sequential-Random and System Call-Library Call-MMAP.pptx
@@ -31417,7 +31417,7 @@
         </p:nvSpPr>
         <p:spPr>
           <a:xfrm>
-            <a:off x="1981200" y="1265238"/>
+            <a:off x="1723748" y="1284288"/>
             <a:ext cx="8229600" cy="4876800"/>
           </a:xfrm>
           <a:noFill/>
@@ -31438,10 +31438,9 @@
               <a:buNone/>
             </a:pPr>
             <a:r>
-              <a:rPr lang="en-US" altLang="zh-TW"/>
+              <a:rPr lang="en-US" altLang="zh-TW" dirty="0"/>
               <a:t>	2021/4/15 23:30:00</a:t>
             </a:r>
-            <a:endParaRPr lang="en-US" altLang="zh-TW" dirty="0"/>
           </a:p>
           <a:p>
             <a:pPr eaLnBrk="1" hangingPunct="1">
@@ -31479,57 +31478,38 @@
           <a:p>
             <a:pPr lvl="1" eaLnBrk="1" hangingPunct="1"/>
             <a:r>
-              <a:rPr lang="en-US" altLang="zh-TW" dirty="0"/>
-              <a:t>HW1_ID.zip (e.g. HW3_7105056035.zip)</a:t>
+              <a:rPr lang="en-US" altLang="zh-TW" sz="2000" dirty="0"/>
+              <a:t>HW1_ID.zip (e.g. HW1_7105056035.zip)</a:t>
             </a:r>
           </a:p>
           <a:p>
             <a:pPr lvl="2" eaLnBrk="1" hangingPunct="1"/>
             <a:r>
-              <a:rPr lang="en-US" altLang="zh-TW" dirty="0"/>
+              <a:rPr lang="en-US" altLang="zh-TW" sz="2000" dirty="0"/>
               <a:t>Source code</a:t>
             </a:r>
           </a:p>
           <a:p>
             <a:pPr lvl="2" eaLnBrk="1" hangingPunct="1"/>
             <a:r>
-              <a:rPr lang="en-US" altLang="zh-TW" dirty="0"/>
-              <a:t>HW111.c</a:t>
-            </a:r>
-            <a:r>
-              <a:rPr lang="zh-TW" altLang="en-US" dirty="0"/>
+              <a:rPr lang="en-US" altLang="zh-TW" sz="2000" dirty="0"/>
+              <a:t>HW1_1.c</a:t>
+            </a:r>
+            <a:r>
+              <a:rPr lang="zh-TW" altLang="en-US" sz="2000" dirty="0"/>
               <a:t>、</a:t>
             </a:r>
             <a:r>
-              <a:rPr lang="en-US" altLang="zh-TW" dirty="0"/>
-              <a:t>HW112.c</a:t>
+              <a:rPr lang="en-US" altLang="zh-TW" sz="2000" dirty="0"/>
+              <a:t>HW1_2.c</a:t>
             </a:r>
           </a:p>
           <a:p>
             <a:pPr lvl="2" eaLnBrk="1" hangingPunct="1"/>
             <a:r>
-              <a:rPr lang="en-US" altLang="zh-TW" dirty="0"/>
+              <a:rPr lang="en-US" altLang="zh-TW" sz="2000" dirty="0"/>
               <a:t>Word file</a:t>
             </a:r>
-          </a:p>
-          <a:p>
-            <a:pPr eaLnBrk="1" hangingPunct="1"/>
-            <a:r>
-              <a:rPr lang="en-US" altLang="zh-TW" dirty="0"/>
-              <a:t>If you want to update</a:t>
-            </a:r>
-          </a:p>
-          <a:p>
-            <a:pPr lvl="1" eaLnBrk="1" hangingPunct="1"/>
-            <a:r>
-              <a:rPr lang="en-US" altLang="zh-TW" dirty="0"/>
-              <a:t>HW1_ID_New1.zip, HW1_ID_New1.zip….</a:t>
-            </a:r>
-            <a:r>
-              <a:rPr lang="en-US" altLang="zh-TW" dirty="0" err="1"/>
-              <a:t>etc</a:t>
-            </a:r>
-            <a:endParaRPr lang="en-US" altLang="zh-TW" dirty="0"/>
           </a:p>
           <a:p>
             <a:pPr eaLnBrk="1" hangingPunct="1"/>
@@ -31819,7 +31799,7 @@
                 <a:latin typeface="標楷體" panose="03000509000000000000" pitchFamily="65" charset="-120"/>
                 <a:ea typeface="標楷體" panose="03000509000000000000" pitchFamily="65" charset="-120"/>
               </a:rPr>
-              <a:t>許浡華</a:t>
+              <a:t>黃聖穎</a:t>
             </a:r>
             <a:endParaRPr lang="en-US" altLang="zh-TW" dirty="0">
               <a:latin typeface="標楷體" panose="03000509000000000000" pitchFamily="65" charset="-120"/>
@@ -31830,21 +31810,14 @@
             <a:pPr eaLnBrk="1" hangingPunct="1"/>
             <a:r>
               <a:rPr lang="en-US" altLang="zh-TW" dirty="0"/>
-              <a:t>Email: g109056017@mail.nchu.edu.tw</a:t>
-            </a:r>
-          </a:p>
-          <a:p>
-            <a:pPr lvl="1" eaLnBrk="1" hangingPunct="1"/>
-            <a:r>
-              <a:rPr lang="en-US" altLang="zh-TW" dirty="0"/>
-              <a:t>Title format: HW3 - [your name]</a:t>
+              <a:t>Email: andrew841018@gmail.com</a:t>
             </a:r>
           </a:p>
           <a:p>
             <a:pPr eaLnBrk="1" hangingPunct="1"/>
             <a:r>
               <a:rPr lang="en-US" altLang="zh-TW" dirty="0"/>
-              <a:t>Lab: OSNET(1003A)</a:t>
+              <a:t>Lab: OSNET(1001A)</a:t>
             </a:r>
           </a:p>
         </p:txBody>
